--- a/ЛР6/Лаб6.pptx
+++ b/ЛР6/Лаб6.pptx
@@ -5,7 +5,7 @@
     <p:sldMasterId id="2147483684" r:id="rId1"/>
   </p:sldMasterIdLst>
   <p:notesMasterIdLst>
-    <p:notesMasterId r:id="rId13"/>
+    <p:notesMasterId r:id="rId14"/>
   </p:notesMasterIdLst>
   <p:sldIdLst>
     <p:sldId id="256" r:id="rId2"/>
@@ -19,6 +19,7 @@
     <p:sldId id="270" r:id="rId10"/>
     <p:sldId id="271" r:id="rId11"/>
     <p:sldId id="272" r:id="rId12"/>
+    <p:sldId id="273" r:id="rId13"/>
   </p:sldIdLst>
   <p:sldSz cx="12192000" cy="6858000"/>
   <p:notesSz cx="6858000" cy="9144000"/>
@@ -17263,8 +17264,12 @@
           <a:lstStyle/>
           <a:p>
             <a:r>
-              <a:rPr lang="en-US"/>
-              <a:t>Комбинировать!</a:t>
+              <a:rPr lang="en-US" dirty="0" err="1"/>
+              <a:t>Комбинировать</a:t>
+            </a:r>
+            <a:r>
+              <a:rPr lang="en-US" dirty="0"/>
+              <a:t>!</a:t>
             </a:r>
           </a:p>
         </p:txBody>
@@ -22584,8 +22589,100 @@
           <a:lstStyle/>
           <a:p>
             <a:r>
-              <a:rPr lang="en-US"/>
-              <a:t>Интегрировать брокерские функции. Разработать некую соц. сеть для обсуждения активов прямо в приложении.</a:t>
+              <a:rPr lang="en-US" dirty="0" err="1"/>
+              <a:t>Интегрировать</a:t>
+            </a:r>
+            <a:r>
+              <a:rPr lang="en-US" dirty="0"/>
+              <a:t> </a:t>
+            </a:r>
+            <a:r>
+              <a:rPr lang="en-US" dirty="0" err="1"/>
+              <a:t>брокерские</a:t>
+            </a:r>
+            <a:r>
+              <a:rPr lang="en-US" dirty="0"/>
+              <a:t> </a:t>
+            </a:r>
+            <a:r>
+              <a:rPr lang="en-US" dirty="0" err="1"/>
+              <a:t>функции</a:t>
+            </a:r>
+            <a:r>
+              <a:rPr lang="en-US" dirty="0"/>
+              <a:t>. </a:t>
+            </a:r>
+            <a:r>
+              <a:rPr lang="en-US" dirty="0" err="1"/>
+              <a:t>Разработать</a:t>
+            </a:r>
+            <a:r>
+              <a:rPr lang="en-US" dirty="0"/>
+              <a:t> </a:t>
+            </a:r>
+            <a:r>
+              <a:rPr lang="en-US" dirty="0" err="1"/>
+              <a:t>некую</a:t>
+            </a:r>
+            <a:r>
+              <a:rPr lang="en-US" dirty="0"/>
+              <a:t> </a:t>
+            </a:r>
+            <a:r>
+              <a:rPr lang="en-US" dirty="0" err="1"/>
+              <a:t>соц</a:t>
+            </a:r>
+            <a:r>
+              <a:rPr lang="en-US" dirty="0"/>
+              <a:t>. </a:t>
+            </a:r>
+            <a:r>
+              <a:rPr lang="en-US" dirty="0" err="1"/>
+              <a:t>сеть</a:t>
+            </a:r>
+            <a:r>
+              <a:rPr lang="en-US" dirty="0"/>
+              <a:t> </a:t>
+            </a:r>
+            <a:r>
+              <a:rPr lang="en-US" dirty="0" err="1"/>
+              <a:t>для</a:t>
+            </a:r>
+            <a:r>
+              <a:rPr lang="en-US" dirty="0"/>
+              <a:t> </a:t>
+            </a:r>
+            <a:r>
+              <a:rPr lang="en-US" dirty="0" err="1"/>
+              <a:t>обсуждения</a:t>
+            </a:r>
+            <a:r>
+              <a:rPr lang="en-US" dirty="0"/>
+              <a:t> </a:t>
+            </a:r>
+            <a:r>
+              <a:rPr lang="en-US" dirty="0" err="1"/>
+              <a:t>активов</a:t>
+            </a:r>
+            <a:r>
+              <a:rPr lang="en-US" dirty="0"/>
+              <a:t> </a:t>
+            </a:r>
+            <a:r>
+              <a:rPr lang="en-US" dirty="0" err="1"/>
+              <a:t>прямо</a:t>
+            </a:r>
+            <a:r>
+              <a:rPr lang="en-US" dirty="0"/>
+              <a:t> в </a:t>
+            </a:r>
+            <a:r>
+              <a:rPr lang="en-US" dirty="0" err="1"/>
+              <a:t>приложении</a:t>
+            </a:r>
+            <a:r>
+              <a:rPr lang="en-US" dirty="0"/>
+              <a:t>.</a:t>
             </a:r>
           </a:p>
         </p:txBody>
@@ -28227,7 +28324,7 @@
         </p:nvSpPr>
         <p:spPr>
           <a:xfrm>
-            <a:off x="5270066" y="1122363"/>
+            <a:off x="5034092" y="-263985"/>
             <a:ext cx="5397933" cy="2387600"/>
           </a:xfrm>
         </p:spPr>
@@ -28266,7 +28363,7 @@
         </p:nvSpPr>
         <p:spPr>
           <a:xfrm>
-            <a:off x="5230896" y="3602038"/>
+            <a:off x="5034092" y="2387599"/>
             <a:ext cx="5437103" cy="1655762"/>
           </a:xfrm>
         </p:spPr>
@@ -34834,6 +34931,101 @@
       <p:bldP spid="2" grpId="0"/>
     </p:bldLst>
   </p:timing>
+</p:sld>
+</file>
+
+<file path=ppt/slides/slide12.xml><?xml version="1.0" encoding="utf-8"?>
+<p:sld xmlns:a="http://schemas.openxmlformats.org/drawingml/2006/main" xmlns:r="http://schemas.openxmlformats.org/officeDocument/2006/relationships" xmlns:p="http://schemas.openxmlformats.org/presentationml/2006/main">
+  <p:cSld>
+    <p:spTree>
+      <p:nvGrpSpPr>
+        <p:cNvPr id="1" name=""/>
+        <p:cNvGrpSpPr/>
+        <p:nvPr/>
+      </p:nvGrpSpPr>
+      <p:grpSpPr>
+        <a:xfrm>
+          <a:off x="0" y="0"/>
+          <a:ext cx="0" cy="0"/>
+          <a:chOff x="0" y="0"/>
+          <a:chExt cx="0" cy="0"/>
+        </a:xfrm>
+      </p:grpSpPr>
+      <p:sp>
+        <p:nvSpPr>
+          <p:cNvPr id="5" name="Заголовок 4">
+            <a:extLst>
+              <a:ext uri="{FF2B5EF4-FFF2-40B4-BE49-F238E27FC236}">
+                <a16:creationId xmlns:a16="http://schemas.microsoft.com/office/drawing/2014/main" id="{20D31641-F789-722F-4125-A32F968E3C7B}"/>
+              </a:ext>
+            </a:extLst>
+          </p:cNvPr>
+          <p:cNvSpPr>
+            <a:spLocks noGrp="1"/>
+          </p:cNvSpPr>
+          <p:nvPr>
+            <p:ph type="title"/>
+          </p:nvPr>
+        </p:nvSpPr>
+        <p:spPr>
+          <a:xfrm>
+            <a:off x="1141410" y="1066802"/>
+            <a:ext cx="9905955" cy="3429000"/>
+          </a:xfrm>
+        </p:spPr>
+        <p:txBody>
+          <a:bodyPr/>
+          <a:lstStyle/>
+          <a:p>
+            <a:pPr algn="ctr"/>
+            <a:r>
+              <a:rPr lang="ru-RU" dirty="0"/>
+              <a:t>Спасибо за внимание!</a:t>
+            </a:r>
+          </a:p>
+        </p:txBody>
+      </p:sp>
+      <p:sp>
+        <p:nvSpPr>
+          <p:cNvPr id="6" name="Текст 5">
+            <a:extLst>
+              <a:ext uri="{FF2B5EF4-FFF2-40B4-BE49-F238E27FC236}">
+                <a16:creationId xmlns:a16="http://schemas.microsoft.com/office/drawing/2014/main" id="{6EAD5493-DDD3-D72C-D05F-0D20095E4295}"/>
+              </a:ext>
+            </a:extLst>
+          </p:cNvPr>
+          <p:cNvSpPr>
+            <a:spLocks noGrp="1"/>
+          </p:cNvSpPr>
+          <p:nvPr>
+            <p:ph type="body" sz="half" idx="2"/>
+          </p:nvPr>
+        </p:nvSpPr>
+        <p:spPr/>
+        <p:txBody>
+          <a:bodyPr>
+            <a:normAutofit/>
+          </a:bodyPr>
+          <a:lstStyle/>
+          <a:p>
+            <a:pPr algn="r"/>
+            <a:r>
+              <a:rPr lang="ru-RU" sz="2400" dirty="0"/>
+              <a:t>Презентацию подготовил студент группы ИВМ-24 Морозов А. А.</a:t>
+            </a:r>
+          </a:p>
+        </p:txBody>
+      </p:sp>
+    </p:spTree>
+    <p:extLst>
+      <p:ext uri="{BB962C8B-B14F-4D97-AF65-F5344CB8AC3E}">
+        <p14:creationId xmlns:p14="http://schemas.microsoft.com/office/powerpoint/2010/main" val="3020523715"/>
+      </p:ext>
+    </p:extLst>
+  </p:cSld>
+  <p:clrMapOvr>
+    <a:masterClrMapping/>
+  </p:clrMapOvr>
 </p:sld>
 </file>
 
